--- a/프로토 타입 1.pptx
+++ b/프로토 타입 1.pptx
@@ -104,7 +104,121 @@
       </a:defRPr>
     </a:lvl9pPr>
   </p:defaultTextStyle>
+  <p:extLst>
+    <p:ext uri="{EFAFB233-063F-42B5-8137-9DF3F51BA10A}">
+      <p15:sldGuideLst xmlns:p15="http://schemas.microsoft.com/office/powerpoint/2012/main"/>
+    </p:ext>
+  </p:extLst>
 </p:presentation>
+</file>
+
+<file path=ppt/revisionInfo.xml><?xml version="1.0" encoding="utf-8"?>
+<p1510:revInfo xmlns:a="http://schemas.openxmlformats.org/drawingml/2006/main" xmlns:r="http://schemas.openxmlformats.org/officeDocument/2006/relationships" xmlns:p1510="http://schemas.microsoft.com/office/powerpoint/2015/10/main">
+  <p1510:revLst>
+    <p1510:client id="{178E5442-61FB-486F-9B99-EABEDFEBBB12}" v="1" dt="2021-10-02T17:23:56.461"/>
+  </p1510:revLst>
+</p1510:revInfo>
+</file>
+
+<file path=ppt/changesInfos/changesInfo1.xml><?xml version="1.0" encoding="utf-8"?>
+<pc:chgInfo xmlns:a="http://schemas.openxmlformats.org/drawingml/2006/main" xmlns:r="http://schemas.openxmlformats.org/officeDocument/2006/relationships" xmlns:ac="http://schemas.microsoft.com/office/drawing/2013/main/command" xmlns:pc="http://schemas.microsoft.com/office/powerpoint/2013/main/command">
+  <pc:docChgLst>
+    <pc:chgData name="이승유" userId="0d74a26e-f7c6-4b3e-820d-f68a8268e5d0" providerId="ADAL" clId="{178E5442-61FB-486F-9B99-EABEDFEBBB12}"/>
+    <pc:docChg chg="modSld">
+      <pc:chgData name="이승유" userId="0d74a26e-f7c6-4b3e-820d-f68a8268e5d0" providerId="ADAL" clId="{178E5442-61FB-486F-9B99-EABEDFEBBB12}" dt="2021-10-02T17:23:56.461" v="0" actId="164"/>
+      <pc:docMkLst>
+        <pc:docMk/>
+      </pc:docMkLst>
+      <pc:sldChg chg="addSp modSp">
+        <pc:chgData name="이승유" userId="0d74a26e-f7c6-4b3e-820d-f68a8268e5d0" providerId="ADAL" clId="{178E5442-61FB-486F-9B99-EABEDFEBBB12}" dt="2021-10-02T17:23:56.461" v="0" actId="164"/>
+        <pc:sldMkLst>
+          <pc:docMk/>
+          <pc:sldMk cId="2200952181" sldId="256"/>
+        </pc:sldMkLst>
+        <pc:spChg chg="mod">
+          <ac:chgData name="이승유" userId="0d74a26e-f7c6-4b3e-820d-f68a8268e5d0" providerId="ADAL" clId="{178E5442-61FB-486F-9B99-EABEDFEBBB12}" dt="2021-10-02T17:23:56.461" v="0" actId="164"/>
+          <ac:spMkLst>
+            <pc:docMk/>
+            <pc:sldMk cId="2200952181" sldId="256"/>
+            <ac:spMk id="18" creationId="{7A324366-E8E1-4A3C-B3BF-C1576724C152}"/>
+          </ac:spMkLst>
+        </pc:spChg>
+        <pc:spChg chg="mod">
+          <ac:chgData name="이승유" userId="0d74a26e-f7c6-4b3e-820d-f68a8268e5d0" providerId="ADAL" clId="{178E5442-61FB-486F-9B99-EABEDFEBBB12}" dt="2021-10-02T17:23:56.461" v="0" actId="164"/>
+          <ac:spMkLst>
+            <pc:docMk/>
+            <pc:sldMk cId="2200952181" sldId="256"/>
+            <ac:spMk id="21" creationId="{84DBFCC8-0AE4-4315-9C6A-CA8207CDA542}"/>
+          </ac:spMkLst>
+        </pc:spChg>
+        <pc:spChg chg="mod">
+          <ac:chgData name="이승유" userId="0d74a26e-f7c6-4b3e-820d-f68a8268e5d0" providerId="ADAL" clId="{178E5442-61FB-486F-9B99-EABEDFEBBB12}" dt="2021-10-02T17:23:56.461" v="0" actId="164"/>
+          <ac:spMkLst>
+            <pc:docMk/>
+            <pc:sldMk cId="2200952181" sldId="256"/>
+            <ac:spMk id="22" creationId="{2481BEB0-9324-40F9-977D-ABD5AE55CAF0}"/>
+          </ac:spMkLst>
+        </pc:spChg>
+        <pc:spChg chg="mod">
+          <ac:chgData name="이승유" userId="0d74a26e-f7c6-4b3e-820d-f68a8268e5d0" providerId="ADAL" clId="{178E5442-61FB-486F-9B99-EABEDFEBBB12}" dt="2021-10-02T17:23:56.461" v="0" actId="164"/>
+          <ac:spMkLst>
+            <pc:docMk/>
+            <pc:sldMk cId="2200952181" sldId="256"/>
+            <ac:spMk id="23" creationId="{0DACA0BF-B25E-4AA9-BEFD-68ACC3CF675C}"/>
+          </ac:spMkLst>
+        </pc:spChg>
+        <pc:grpChg chg="add mod">
+          <ac:chgData name="이승유" userId="0d74a26e-f7c6-4b3e-820d-f68a8268e5d0" providerId="ADAL" clId="{178E5442-61FB-486F-9B99-EABEDFEBBB12}" dt="2021-10-02T17:23:56.461" v="0" actId="164"/>
+          <ac:grpSpMkLst>
+            <pc:docMk/>
+            <pc:sldMk cId="2200952181" sldId="256"/>
+            <ac:grpSpMk id="2" creationId="{2F3CF960-1FE3-4043-8CCB-C1B7BE6F4F11}"/>
+          </ac:grpSpMkLst>
+        </pc:grpChg>
+        <pc:picChg chg="mod">
+          <ac:chgData name="이승유" userId="0d74a26e-f7c6-4b3e-820d-f68a8268e5d0" providerId="ADAL" clId="{178E5442-61FB-486F-9B99-EABEDFEBBB12}" dt="2021-10-02T17:23:56.461" v="0" actId="164"/>
+          <ac:picMkLst>
+            <pc:docMk/>
+            <pc:sldMk cId="2200952181" sldId="256"/>
+            <ac:picMk id="10" creationId="{2458EA14-5FA6-46FF-916B-5576C64A5FF3}"/>
+          </ac:picMkLst>
+        </pc:picChg>
+        <pc:picChg chg="mod">
+          <ac:chgData name="이승유" userId="0d74a26e-f7c6-4b3e-820d-f68a8268e5d0" providerId="ADAL" clId="{178E5442-61FB-486F-9B99-EABEDFEBBB12}" dt="2021-10-02T17:23:56.461" v="0" actId="164"/>
+          <ac:picMkLst>
+            <pc:docMk/>
+            <pc:sldMk cId="2200952181" sldId="256"/>
+            <ac:picMk id="14" creationId="{7CC93A96-BC1D-43BE-AFDA-9BDCC1D971A7}"/>
+          </ac:picMkLst>
+        </pc:picChg>
+        <pc:picChg chg="mod">
+          <ac:chgData name="이승유" userId="0d74a26e-f7c6-4b3e-820d-f68a8268e5d0" providerId="ADAL" clId="{178E5442-61FB-486F-9B99-EABEDFEBBB12}" dt="2021-10-02T17:23:56.461" v="0" actId="164"/>
+          <ac:picMkLst>
+            <pc:docMk/>
+            <pc:sldMk cId="2200952181" sldId="256"/>
+            <ac:picMk id="15" creationId="{055E4F29-7489-4D71-BF9A-160AF3032AFB}"/>
+          </ac:picMkLst>
+        </pc:picChg>
+        <pc:picChg chg="mod">
+          <ac:chgData name="이승유" userId="0d74a26e-f7c6-4b3e-820d-f68a8268e5d0" providerId="ADAL" clId="{178E5442-61FB-486F-9B99-EABEDFEBBB12}" dt="2021-10-02T17:23:56.461" v="0" actId="164"/>
+          <ac:picMkLst>
+            <pc:docMk/>
+            <pc:sldMk cId="2200952181" sldId="256"/>
+            <ac:picMk id="20" creationId="{3D698C15-AD3F-42F8-AE87-C10936B64B09}"/>
+          </ac:picMkLst>
+        </pc:picChg>
+        <pc:picChg chg="mod">
+          <ac:chgData name="이승유" userId="0d74a26e-f7c6-4b3e-820d-f68a8268e5d0" providerId="ADAL" clId="{178E5442-61FB-486F-9B99-EABEDFEBBB12}" dt="2021-10-02T17:23:56.461" v="0" actId="164"/>
+          <ac:picMkLst>
+            <pc:docMk/>
+            <pc:sldMk cId="2200952181" sldId="256"/>
+            <ac:picMk id="1026" creationId="{43E597B2-4F78-4097-9CFE-043161B2B131}"/>
+          </ac:picMkLst>
+        </pc:picChg>
+      </pc:sldChg>
+    </pc:docChg>
+  </pc:docChgLst>
+</pc:chgInfo>
 </file>
 
 <file path=ppt/slideLayouts/slideLayout1.xml><?xml version="1.0" encoding="utf-8"?>
@@ -254,7 +368,7 @@
           <a:p>
             <a:fld id="{91D7BFEB-0422-4057-BB1A-867DE9857545}" type="datetimeFigureOut">
               <a:rPr lang="ko-KR" altLang="en-US" smtClean="0"/>
-              <a:t>2021-09-27</a:t>
+              <a:t>2021-10-03</a:t>
             </a:fld>
             <a:endParaRPr lang="ko-KR" altLang="en-US"/>
           </a:p>
@@ -452,7 +566,7 @@
           <a:p>
             <a:fld id="{91D7BFEB-0422-4057-BB1A-867DE9857545}" type="datetimeFigureOut">
               <a:rPr lang="ko-KR" altLang="en-US" smtClean="0"/>
-              <a:t>2021-09-27</a:t>
+              <a:t>2021-10-03</a:t>
             </a:fld>
             <a:endParaRPr lang="ko-KR" altLang="en-US"/>
           </a:p>
@@ -660,7 +774,7 @@
           <a:p>
             <a:fld id="{91D7BFEB-0422-4057-BB1A-867DE9857545}" type="datetimeFigureOut">
               <a:rPr lang="ko-KR" altLang="en-US" smtClean="0"/>
-              <a:t>2021-09-27</a:t>
+              <a:t>2021-10-03</a:t>
             </a:fld>
             <a:endParaRPr lang="ko-KR" altLang="en-US"/>
           </a:p>
@@ -858,7 +972,7 @@
           <a:p>
             <a:fld id="{91D7BFEB-0422-4057-BB1A-867DE9857545}" type="datetimeFigureOut">
               <a:rPr lang="ko-KR" altLang="en-US" smtClean="0"/>
-              <a:t>2021-09-27</a:t>
+              <a:t>2021-10-03</a:t>
             </a:fld>
             <a:endParaRPr lang="ko-KR" altLang="en-US"/>
           </a:p>
@@ -1133,7 +1247,7 @@
           <a:p>
             <a:fld id="{91D7BFEB-0422-4057-BB1A-867DE9857545}" type="datetimeFigureOut">
               <a:rPr lang="ko-KR" altLang="en-US" smtClean="0"/>
-              <a:t>2021-09-27</a:t>
+              <a:t>2021-10-03</a:t>
             </a:fld>
             <a:endParaRPr lang="ko-KR" altLang="en-US"/>
           </a:p>
@@ -1398,7 +1512,7 @@
           <a:p>
             <a:fld id="{91D7BFEB-0422-4057-BB1A-867DE9857545}" type="datetimeFigureOut">
               <a:rPr lang="ko-KR" altLang="en-US" smtClean="0"/>
-              <a:t>2021-09-27</a:t>
+              <a:t>2021-10-03</a:t>
             </a:fld>
             <a:endParaRPr lang="ko-KR" altLang="en-US"/>
           </a:p>
@@ -1810,7 +1924,7 @@
           <a:p>
             <a:fld id="{91D7BFEB-0422-4057-BB1A-867DE9857545}" type="datetimeFigureOut">
               <a:rPr lang="ko-KR" altLang="en-US" smtClean="0"/>
-              <a:t>2021-09-27</a:t>
+              <a:t>2021-10-03</a:t>
             </a:fld>
             <a:endParaRPr lang="ko-KR" altLang="en-US"/>
           </a:p>
@@ -1951,7 +2065,7 @@
           <a:p>
             <a:fld id="{91D7BFEB-0422-4057-BB1A-867DE9857545}" type="datetimeFigureOut">
               <a:rPr lang="ko-KR" altLang="en-US" smtClean="0"/>
-              <a:t>2021-09-27</a:t>
+              <a:t>2021-10-03</a:t>
             </a:fld>
             <a:endParaRPr lang="ko-KR" altLang="en-US"/>
           </a:p>
@@ -2064,7 +2178,7 @@
           <a:p>
             <a:fld id="{91D7BFEB-0422-4057-BB1A-867DE9857545}" type="datetimeFigureOut">
               <a:rPr lang="ko-KR" altLang="en-US" smtClean="0"/>
-              <a:t>2021-09-27</a:t>
+              <a:t>2021-10-03</a:t>
             </a:fld>
             <a:endParaRPr lang="ko-KR" altLang="en-US"/>
           </a:p>
@@ -2375,7 +2489,7 @@
           <a:p>
             <a:fld id="{91D7BFEB-0422-4057-BB1A-867DE9857545}" type="datetimeFigureOut">
               <a:rPr lang="ko-KR" altLang="en-US" smtClean="0"/>
-              <a:t>2021-09-27</a:t>
+              <a:t>2021-10-03</a:t>
             </a:fld>
             <a:endParaRPr lang="ko-KR" altLang="en-US"/>
           </a:p>
@@ -2663,7 +2777,7 @@
           <a:p>
             <a:fld id="{91D7BFEB-0422-4057-BB1A-867DE9857545}" type="datetimeFigureOut">
               <a:rPr lang="ko-KR" altLang="en-US" smtClean="0"/>
-              <a:t>2021-09-27</a:t>
+              <a:t>2021-10-03</a:t>
             </a:fld>
             <a:endParaRPr lang="ko-KR" altLang="en-US"/>
           </a:p>
@@ -2904,7 +3018,7 @@
           <a:p>
             <a:fld id="{91D7BFEB-0422-4057-BB1A-867DE9857545}" type="datetimeFigureOut">
               <a:rPr lang="ko-KR" altLang="en-US" smtClean="0"/>
-              <a:t>2021-09-27</a:t>
+              <a:t>2021-10-03</a:t>
             </a:fld>
             <a:endParaRPr lang="ko-KR" altLang="en-US"/>
           </a:p>
@@ -3321,393 +3435,414 @@
           <a:chExt cx="0" cy="0"/>
         </a:xfrm>
       </p:grpSpPr>
-      <p:pic>
-        <p:nvPicPr>
-          <p:cNvPr id="10" name="그림 9">
-            <a:extLst>
-              <a:ext uri="{FF2B5EF4-FFF2-40B4-BE49-F238E27FC236}">
-                <a16:creationId xmlns:a16="http://schemas.microsoft.com/office/drawing/2014/main" id="{2458EA14-5FA6-46FF-916B-5576C64A5FF3}"/>
-              </a:ext>
-            </a:extLst>
-          </p:cNvPr>
-          <p:cNvPicPr>
-            <a:picLocks noChangeAspect="1"/>
-          </p:cNvPicPr>
+      <p:grpSp>
+        <p:nvGrpSpPr>
+          <p:cNvPr id="2" name="그룹 1">
+            <a:extLst>
+              <a:ext uri="{FF2B5EF4-FFF2-40B4-BE49-F238E27FC236}">
+                <a16:creationId xmlns:a16="http://schemas.microsoft.com/office/drawing/2014/main" id="{2F3CF960-1FE3-4043-8CCB-C1B7BE6F4F11}"/>
+              </a:ext>
+            </a:extLst>
+          </p:cNvPr>
+          <p:cNvGrpSpPr/>
           <p:nvPr/>
-        </p:nvPicPr>
-        <p:blipFill>
-          <a:blip r:embed="rId2"/>
-          <a:stretch>
-            <a:fillRect/>
-          </a:stretch>
-        </p:blipFill>
-        <p:spPr>
+        </p:nvGrpSpPr>
+        <p:grpSpPr>
           <a:xfrm>
             <a:off x="3822334" y="-19664"/>
             <a:ext cx="4547331" cy="6858000"/>
+            <a:chOff x="3822334" y="-19664"/>
+            <a:chExt cx="4547331" cy="6858000"/>
           </a:xfrm>
-          <a:prstGeom prst="rect">
-            <a:avLst/>
-          </a:prstGeom>
-        </p:spPr>
-      </p:pic>
-      <p:pic>
-        <p:nvPicPr>
-          <p:cNvPr id="14" name="그래픽 13" descr="종 단색으로 채워진">
-            <a:extLst>
-              <a:ext uri="{FF2B5EF4-FFF2-40B4-BE49-F238E27FC236}">
-                <a16:creationId xmlns:a16="http://schemas.microsoft.com/office/drawing/2014/main" id="{7CC93A96-BC1D-43BE-AFDA-9BDCC1D971A7}"/>
-              </a:ext>
-            </a:extLst>
-          </p:cNvPr>
-          <p:cNvPicPr>
-            <a:picLocks noChangeAspect="1"/>
-          </p:cNvPicPr>
-          <p:nvPr/>
-        </p:nvPicPr>
-        <p:blipFill>
-          <a:blip r:embed="rId3">
-            <a:extLst>
-              <a:ext uri="{28A0092B-C50C-407E-A947-70E740481C1C}">
-                <a14:useLocalDpi xmlns:a14="http://schemas.microsoft.com/office/drawing/2010/main" val="0"/>
-              </a:ext>
-              <a:ext uri="{96DAC541-7B7A-43D3-8B79-37D633B846F1}">
-                <asvg:svgBlip xmlns:asvg="http://schemas.microsoft.com/office/drawing/2016/SVG/main" r:embed="rId4"/>
-              </a:ext>
-            </a:extLst>
-          </a:blip>
-          <a:stretch>
-            <a:fillRect/>
-          </a:stretch>
-        </p:blipFill>
-        <p:spPr>
-          <a:xfrm>
-            <a:off x="4398397" y="3016856"/>
-            <a:ext cx="443948" cy="443948"/>
-          </a:xfrm>
-          <a:prstGeom prst="rect">
-            <a:avLst/>
-          </a:prstGeom>
-        </p:spPr>
-      </p:pic>
-      <p:pic>
-        <p:nvPicPr>
-          <p:cNvPr id="15" name="그래픽 14" descr="종 단색으로 채워진">
-            <a:extLst>
-              <a:ext uri="{FF2B5EF4-FFF2-40B4-BE49-F238E27FC236}">
-                <a16:creationId xmlns:a16="http://schemas.microsoft.com/office/drawing/2014/main" id="{055E4F29-7489-4D71-BF9A-160AF3032AFB}"/>
-              </a:ext>
-            </a:extLst>
-          </p:cNvPr>
-          <p:cNvPicPr>
-            <a:picLocks noChangeAspect="1"/>
-          </p:cNvPicPr>
-          <p:nvPr/>
-        </p:nvPicPr>
-        <p:blipFill>
-          <a:blip r:embed="rId3">
-            <a:extLst>
-              <a:ext uri="{28A0092B-C50C-407E-A947-70E740481C1C}">
-                <a14:useLocalDpi xmlns:a14="http://schemas.microsoft.com/office/drawing/2010/main" val="0"/>
-              </a:ext>
-              <a:ext uri="{96DAC541-7B7A-43D3-8B79-37D633B846F1}">
-                <asvg:svgBlip xmlns:asvg="http://schemas.microsoft.com/office/drawing/2016/SVG/main" r:embed="rId4"/>
-              </a:ext>
-            </a:extLst>
-          </a:blip>
-          <a:stretch>
-            <a:fillRect/>
-          </a:stretch>
-        </p:blipFill>
-        <p:spPr>
-          <a:xfrm>
-            <a:off x="4398397" y="3448664"/>
-            <a:ext cx="443948" cy="443948"/>
-          </a:xfrm>
-          <a:prstGeom prst="rect">
-            <a:avLst/>
-          </a:prstGeom>
-        </p:spPr>
-      </p:pic>
-      <p:sp>
-        <p:nvSpPr>
-          <p:cNvPr id="18" name="사각형: 둥근 모서리 17">
-            <a:extLst>
-              <a:ext uri="{FF2B5EF4-FFF2-40B4-BE49-F238E27FC236}">
-                <a16:creationId xmlns:a16="http://schemas.microsoft.com/office/drawing/2014/main" id="{7A324366-E8E1-4A3C-B3BF-C1576724C152}"/>
-              </a:ext>
-            </a:extLst>
-          </p:cNvPr>
-          <p:cNvSpPr/>
-          <p:nvPr/>
-        </p:nvSpPr>
-        <p:spPr>
-          <a:xfrm>
-            <a:off x="4556760" y="1073426"/>
-            <a:ext cx="2989027" cy="443948"/>
-          </a:xfrm>
-          <a:prstGeom prst="roundRect">
-            <a:avLst/>
-          </a:prstGeom>
-          <a:solidFill>
-            <a:schemeClr val="accent1">
-              <a:alpha val="50000"/>
-            </a:schemeClr>
-          </a:solidFill>
-          <a:ln>
+        </p:grpSpPr>
+        <p:pic>
+          <p:nvPicPr>
+            <p:cNvPr id="10" name="그림 9">
+              <a:extLst>
+                <a:ext uri="{FF2B5EF4-FFF2-40B4-BE49-F238E27FC236}">
+                  <a16:creationId xmlns:a16="http://schemas.microsoft.com/office/drawing/2014/main" id="{2458EA14-5FA6-46FF-916B-5576C64A5FF3}"/>
+                </a:ext>
+              </a:extLst>
+            </p:cNvPr>
+            <p:cNvPicPr>
+              <a:picLocks noChangeAspect="1"/>
+            </p:cNvPicPr>
+            <p:nvPr/>
+          </p:nvPicPr>
+          <p:blipFill>
+            <a:blip r:embed="rId2"/>
+            <a:stretch>
+              <a:fillRect/>
+            </a:stretch>
+          </p:blipFill>
+          <p:spPr>
+            <a:xfrm>
+              <a:off x="3822334" y="-19664"/>
+              <a:ext cx="4547331" cy="6858000"/>
+            </a:xfrm>
+            <a:prstGeom prst="rect">
+              <a:avLst/>
+            </a:prstGeom>
+          </p:spPr>
+        </p:pic>
+        <p:pic>
+          <p:nvPicPr>
+            <p:cNvPr id="14" name="그래픽 13" descr="종 단색으로 채워진">
+              <a:extLst>
+                <a:ext uri="{FF2B5EF4-FFF2-40B4-BE49-F238E27FC236}">
+                  <a16:creationId xmlns:a16="http://schemas.microsoft.com/office/drawing/2014/main" id="{7CC93A96-BC1D-43BE-AFDA-9BDCC1D971A7}"/>
+                </a:ext>
+              </a:extLst>
+            </p:cNvPr>
+            <p:cNvPicPr>
+              <a:picLocks noChangeAspect="1"/>
+            </p:cNvPicPr>
+            <p:nvPr/>
+          </p:nvPicPr>
+          <p:blipFill>
+            <a:blip r:embed="rId3">
+              <a:extLst>
+                <a:ext uri="{28A0092B-C50C-407E-A947-70E740481C1C}">
+                  <a14:useLocalDpi xmlns:a14="http://schemas.microsoft.com/office/drawing/2010/main" val="0"/>
+                </a:ext>
+                <a:ext uri="{96DAC541-7B7A-43D3-8B79-37D633B846F1}">
+                  <asvg:svgBlip xmlns:asvg="http://schemas.microsoft.com/office/drawing/2016/SVG/main" r:embed="rId4"/>
+                </a:ext>
+              </a:extLst>
+            </a:blip>
+            <a:stretch>
+              <a:fillRect/>
+            </a:stretch>
+          </p:blipFill>
+          <p:spPr>
+            <a:xfrm>
+              <a:off x="4398397" y="3016856"/>
+              <a:ext cx="443948" cy="443948"/>
+            </a:xfrm>
+            <a:prstGeom prst="rect">
+              <a:avLst/>
+            </a:prstGeom>
+          </p:spPr>
+        </p:pic>
+        <p:pic>
+          <p:nvPicPr>
+            <p:cNvPr id="15" name="그래픽 14" descr="종 단색으로 채워진">
+              <a:extLst>
+                <a:ext uri="{FF2B5EF4-FFF2-40B4-BE49-F238E27FC236}">
+                  <a16:creationId xmlns:a16="http://schemas.microsoft.com/office/drawing/2014/main" id="{055E4F29-7489-4D71-BF9A-160AF3032AFB}"/>
+                </a:ext>
+              </a:extLst>
+            </p:cNvPr>
+            <p:cNvPicPr>
+              <a:picLocks noChangeAspect="1"/>
+            </p:cNvPicPr>
+            <p:nvPr/>
+          </p:nvPicPr>
+          <p:blipFill>
+            <a:blip r:embed="rId3">
+              <a:extLst>
+                <a:ext uri="{28A0092B-C50C-407E-A947-70E740481C1C}">
+                  <a14:useLocalDpi xmlns:a14="http://schemas.microsoft.com/office/drawing/2010/main" val="0"/>
+                </a:ext>
+                <a:ext uri="{96DAC541-7B7A-43D3-8B79-37D633B846F1}">
+                  <asvg:svgBlip xmlns:asvg="http://schemas.microsoft.com/office/drawing/2016/SVG/main" r:embed="rId4"/>
+                </a:ext>
+              </a:extLst>
+            </a:blip>
+            <a:stretch>
+              <a:fillRect/>
+            </a:stretch>
+          </p:blipFill>
+          <p:spPr>
+            <a:xfrm>
+              <a:off x="4398397" y="3448664"/>
+              <a:ext cx="443948" cy="443948"/>
+            </a:xfrm>
+            <a:prstGeom prst="rect">
+              <a:avLst/>
+            </a:prstGeom>
+          </p:spPr>
+        </p:pic>
+        <p:sp>
+          <p:nvSpPr>
+            <p:cNvPr id="18" name="사각형: 둥근 모서리 17">
+              <a:extLst>
+                <a:ext uri="{FF2B5EF4-FFF2-40B4-BE49-F238E27FC236}">
+                  <a16:creationId xmlns:a16="http://schemas.microsoft.com/office/drawing/2014/main" id="{7A324366-E8E1-4A3C-B3BF-C1576724C152}"/>
+                </a:ext>
+              </a:extLst>
+            </p:cNvPr>
+            <p:cNvSpPr/>
+            <p:nvPr/>
+          </p:nvSpPr>
+          <p:spPr>
+            <a:xfrm>
+              <a:off x="4556760" y="1073426"/>
+              <a:ext cx="2989027" cy="443948"/>
+            </a:xfrm>
+            <a:prstGeom prst="roundRect">
+              <a:avLst/>
+            </a:prstGeom>
+            <a:solidFill>
+              <a:schemeClr val="accent1">
+                <a:alpha val="50000"/>
+              </a:schemeClr>
+            </a:solidFill>
+            <a:ln>
+              <a:noFill/>
+            </a:ln>
+          </p:spPr>
+          <p:style>
+            <a:lnRef idx="0">
+              <a:scrgbClr r="0" g="0" b="0"/>
+            </a:lnRef>
+            <a:fillRef idx="0">
+              <a:scrgbClr r="0" g="0" b="0"/>
+            </a:fillRef>
+            <a:effectRef idx="0">
+              <a:scrgbClr r="0" g="0" b="0"/>
+            </a:effectRef>
+            <a:fontRef idx="minor">
+              <a:schemeClr val="lt1"/>
+            </a:fontRef>
+          </p:style>
+          <p:txBody>
+            <a:bodyPr rtlCol="0" anchor="ctr"/>
+            <a:lstStyle/>
+            <a:p>
+              <a:pPr algn="ctr"/>
+              <a:endParaRPr lang="ko-KR" altLang="en-US" dirty="0"/>
+            </a:p>
+          </p:txBody>
+        </p:sp>
+        <p:pic>
+          <p:nvPicPr>
+            <p:cNvPr id="20" name="그래픽 19" descr="돋보기 윤곽선">
+              <a:extLst>
+                <a:ext uri="{FF2B5EF4-FFF2-40B4-BE49-F238E27FC236}">
+                  <a16:creationId xmlns:a16="http://schemas.microsoft.com/office/drawing/2014/main" id="{3D698C15-AD3F-42F8-AE87-C10936B64B09}"/>
+                </a:ext>
+              </a:extLst>
+            </p:cNvPr>
+            <p:cNvPicPr>
+              <a:picLocks noChangeAspect="1"/>
+            </p:cNvPicPr>
+            <p:nvPr/>
+          </p:nvPicPr>
+          <p:blipFill>
+            <a:blip r:embed="rId5">
+              <a:extLst>
+                <a:ext uri="{28A0092B-C50C-407E-A947-70E740481C1C}">
+                  <a14:useLocalDpi xmlns:a14="http://schemas.microsoft.com/office/drawing/2010/main" val="0"/>
+                </a:ext>
+                <a:ext uri="{96DAC541-7B7A-43D3-8B79-37D633B846F1}">
+                  <asvg:svgBlip xmlns:asvg="http://schemas.microsoft.com/office/drawing/2016/SVG/main" r:embed="rId6"/>
+                </a:ext>
+              </a:extLst>
+            </a:blip>
+            <a:stretch>
+              <a:fillRect/>
+            </a:stretch>
+          </p:blipFill>
+          <p:spPr>
+            <a:xfrm>
+              <a:off x="4612417" y="1081377"/>
+              <a:ext cx="443948" cy="443948"/>
+            </a:xfrm>
+            <a:prstGeom prst="rect">
+              <a:avLst/>
+            </a:prstGeom>
+          </p:spPr>
+        </p:pic>
+        <p:sp>
+          <p:nvSpPr>
+            <p:cNvPr id="21" name="TextBox 20">
+              <a:extLst>
+                <a:ext uri="{FF2B5EF4-FFF2-40B4-BE49-F238E27FC236}">
+                  <a16:creationId xmlns:a16="http://schemas.microsoft.com/office/drawing/2014/main" id="{84DBFCC8-0AE4-4315-9C6A-CA8207CDA542}"/>
+                </a:ext>
+              </a:extLst>
+            </p:cNvPr>
+            <p:cNvSpPr txBox="1"/>
+            <p:nvPr/>
+          </p:nvSpPr>
+          <p:spPr>
+            <a:xfrm>
+              <a:off x="5024561" y="1152936"/>
+              <a:ext cx="2012345" cy="307777"/>
+            </a:xfrm>
+            <a:prstGeom prst="rect">
+              <a:avLst/>
+            </a:prstGeom>
             <a:noFill/>
-          </a:ln>
-        </p:spPr>
-        <p:style>
-          <a:lnRef idx="0">
-            <a:scrgbClr r="0" g="0" b="0"/>
-          </a:lnRef>
-          <a:fillRef idx="0">
-            <a:scrgbClr r="0" g="0" b="0"/>
-          </a:fillRef>
-          <a:effectRef idx="0">
-            <a:scrgbClr r="0" g="0" b="0"/>
-          </a:effectRef>
-          <a:fontRef idx="minor">
-            <a:schemeClr val="lt1"/>
-          </a:fontRef>
-        </p:style>
-        <p:txBody>
-          <a:bodyPr rtlCol="0" anchor="ctr"/>
-          <a:lstStyle/>
-          <a:p>
-            <a:pPr algn="ctr"/>
-            <a:endParaRPr lang="ko-KR" altLang="en-US" dirty="0"/>
-          </a:p>
-        </p:txBody>
-      </p:sp>
-      <p:pic>
-        <p:nvPicPr>
-          <p:cNvPr id="20" name="그래픽 19" descr="돋보기 윤곽선">
-            <a:extLst>
-              <a:ext uri="{FF2B5EF4-FFF2-40B4-BE49-F238E27FC236}">
-                <a16:creationId xmlns:a16="http://schemas.microsoft.com/office/drawing/2014/main" id="{3D698C15-AD3F-42F8-AE87-C10936B64B09}"/>
-              </a:ext>
-            </a:extLst>
-          </p:cNvPr>
-          <p:cNvPicPr>
-            <a:picLocks noChangeAspect="1"/>
-          </p:cNvPicPr>
-          <p:nvPr/>
-        </p:nvPicPr>
-        <p:blipFill>
-          <a:blip r:embed="rId5">
-            <a:extLst>
-              <a:ext uri="{28A0092B-C50C-407E-A947-70E740481C1C}">
-                <a14:useLocalDpi xmlns:a14="http://schemas.microsoft.com/office/drawing/2010/main" val="0"/>
-              </a:ext>
-              <a:ext uri="{96DAC541-7B7A-43D3-8B79-37D633B846F1}">
-                <asvg:svgBlip xmlns:asvg="http://schemas.microsoft.com/office/drawing/2016/SVG/main" r:embed="rId6"/>
-              </a:ext>
-            </a:extLst>
-          </a:blip>
-          <a:stretch>
-            <a:fillRect/>
-          </a:stretch>
-        </p:blipFill>
-        <p:spPr>
-          <a:xfrm>
-            <a:off x="4612417" y="1081377"/>
-            <a:ext cx="443948" cy="443948"/>
-          </a:xfrm>
-          <a:prstGeom prst="rect">
-            <a:avLst/>
-          </a:prstGeom>
-        </p:spPr>
-      </p:pic>
-      <p:sp>
-        <p:nvSpPr>
-          <p:cNvPr id="21" name="TextBox 20">
-            <a:extLst>
-              <a:ext uri="{FF2B5EF4-FFF2-40B4-BE49-F238E27FC236}">
-                <a16:creationId xmlns:a16="http://schemas.microsoft.com/office/drawing/2014/main" id="{84DBFCC8-0AE4-4315-9C6A-CA8207CDA542}"/>
-              </a:ext>
-            </a:extLst>
-          </p:cNvPr>
-          <p:cNvSpPr txBox="1"/>
-          <p:nvPr/>
-        </p:nvSpPr>
-        <p:spPr>
-          <a:xfrm>
-            <a:off x="5024561" y="1152936"/>
-            <a:ext cx="2012345" cy="307777"/>
-          </a:xfrm>
-          <a:prstGeom prst="rect">
-            <a:avLst/>
-          </a:prstGeom>
-          <a:noFill/>
-        </p:spPr>
-        <p:txBody>
-          <a:bodyPr wrap="square" rtlCol="0">
-            <a:spAutoFit/>
-          </a:bodyPr>
-          <a:lstStyle/>
-          <a:p>
-            <a:r>
-              <a:rPr lang="ko-KR" altLang="en-US" sz="1400" dirty="0">
+          </p:spPr>
+          <p:txBody>
+            <a:bodyPr wrap="square" rtlCol="0">
+              <a:spAutoFit/>
+            </a:bodyPr>
+            <a:lstStyle/>
+            <a:p>
+              <a:r>
+                <a:rPr lang="ko-KR" altLang="en-US" sz="1400" dirty="0">
+                  <a:solidFill>
+                    <a:schemeClr val="bg1"/>
+                  </a:solidFill>
+                </a:rPr>
+                <a:t>검색어 입력</a:t>
+              </a:r>
+              <a:r>
+                <a:rPr lang="en-US" altLang="ko-KR" sz="1400" dirty="0">
+                  <a:solidFill>
+                    <a:schemeClr val="bg1"/>
+                  </a:solidFill>
+                </a:rPr>
+                <a:t>…</a:t>
+              </a:r>
+              <a:endParaRPr lang="ko-KR" altLang="en-US" sz="1400" dirty="0">
                 <a:solidFill>
                   <a:schemeClr val="bg1"/>
                 </a:solidFill>
-              </a:rPr>
-              <a:t>검색어 입력</a:t>
-            </a:r>
-            <a:r>
-              <a:rPr lang="en-US" altLang="ko-KR" sz="1400" dirty="0">
-                <a:solidFill>
-                  <a:schemeClr val="bg1"/>
-                </a:solidFill>
-              </a:rPr>
-              <a:t>…</a:t>
-            </a:r>
-            <a:endParaRPr lang="ko-KR" altLang="en-US" sz="1400" dirty="0">
-              <a:solidFill>
-                <a:schemeClr val="bg1"/>
-              </a:solidFill>
-            </a:endParaRPr>
-          </a:p>
-        </p:txBody>
-      </p:sp>
-      <p:pic>
-        <p:nvPicPr>
-          <p:cNvPr id="1026" name="Picture 2">
-            <a:extLst>
-              <a:ext uri="{FF2B5EF4-FFF2-40B4-BE49-F238E27FC236}">
-                <a16:creationId xmlns:a16="http://schemas.microsoft.com/office/drawing/2014/main" id="{43E597B2-4F78-4097-9CFE-043161B2B131}"/>
-              </a:ext>
-            </a:extLst>
-          </p:cNvPr>
-          <p:cNvPicPr>
-            <a:picLocks noChangeAspect="1" noChangeArrowheads="1"/>
-          </p:cNvPicPr>
-          <p:nvPr/>
-        </p:nvPicPr>
-        <p:blipFill>
-          <a:blip r:embed="rId7">
-            <a:extLst>
-              <a:ext uri="{28A0092B-C50C-407E-A947-70E740481C1C}">
-                <a14:useLocalDpi xmlns:a14="http://schemas.microsoft.com/office/drawing/2010/main" val="0"/>
-              </a:ext>
-            </a:extLst>
-          </a:blip>
-          <a:srcRect/>
-          <a:stretch>
-            <a:fillRect/>
-          </a:stretch>
-        </p:blipFill>
-        <p:spPr bwMode="auto">
-          <a:xfrm>
-            <a:off x="5690421" y="1757297"/>
-            <a:ext cx="811157" cy="811157"/>
-          </a:xfrm>
-          <a:prstGeom prst="rect">
-            <a:avLst/>
-          </a:prstGeom>
-          <a:noFill/>
-          <a:extLst>
-            <a:ext uri="{909E8E84-426E-40DD-AFC4-6F175D3DCCD1}">
-              <a14:hiddenFill xmlns:a14="http://schemas.microsoft.com/office/drawing/2010/main">
-                <a:solidFill>
-                  <a:srgbClr val="FFFFFF"/>
-                </a:solidFill>
-              </a14:hiddenFill>
-            </a:ext>
-          </a:extLst>
-        </p:spPr>
-      </p:pic>
-      <p:sp>
-        <p:nvSpPr>
-          <p:cNvPr id="22" name="TextBox 21">
-            <a:extLst>
-              <a:ext uri="{FF2B5EF4-FFF2-40B4-BE49-F238E27FC236}">
-                <a16:creationId xmlns:a16="http://schemas.microsoft.com/office/drawing/2014/main" id="{2481BEB0-9324-40F9-977D-ABD5AE55CAF0}"/>
-              </a:ext>
-            </a:extLst>
-          </p:cNvPr>
-          <p:cNvSpPr txBox="1"/>
-          <p:nvPr/>
-        </p:nvSpPr>
-        <p:spPr>
-          <a:xfrm>
-            <a:off x="5209427" y="2568454"/>
-            <a:ext cx="1773143" cy="430887"/>
-          </a:xfrm>
-          <a:prstGeom prst="rect">
-            <a:avLst/>
-          </a:prstGeom>
-          <a:noFill/>
-        </p:spPr>
-        <p:txBody>
-          <a:bodyPr wrap="square" rtlCol="0">
-            <a:spAutoFit/>
-          </a:bodyPr>
-          <a:lstStyle/>
-          <a:p>
-            <a:pPr algn="ctr"/>
-            <a:r>
-              <a:rPr lang="ko-KR" altLang="en-US" sz="1100" dirty="0"/>
-              <a:t>홍길동</a:t>
-            </a:r>
-            <a:endParaRPr lang="en-US" altLang="ko-KR" sz="1100" dirty="0"/>
-          </a:p>
-          <a:p>
-            <a:pPr algn="ctr"/>
-            <a:r>
-              <a:rPr lang="en-US" altLang="ko-KR" sz="1100" dirty="0"/>
-              <a:t>22100000</a:t>
-            </a:r>
-            <a:endParaRPr lang="ko-KR" altLang="en-US" sz="1100" dirty="0"/>
-          </a:p>
-        </p:txBody>
-      </p:sp>
-      <p:sp>
-        <p:nvSpPr>
-          <p:cNvPr id="23" name="TextBox 22">
-            <a:extLst>
-              <a:ext uri="{FF2B5EF4-FFF2-40B4-BE49-F238E27FC236}">
-                <a16:creationId xmlns:a16="http://schemas.microsoft.com/office/drawing/2014/main" id="{0DACA0BF-B25E-4AA9-BEFD-68ACC3CF675C}"/>
-              </a:ext>
-            </a:extLst>
-          </p:cNvPr>
-          <p:cNvSpPr txBox="1"/>
-          <p:nvPr/>
-        </p:nvSpPr>
-        <p:spPr>
-          <a:xfrm>
-            <a:off x="5447304" y="1517001"/>
-            <a:ext cx="2336361" cy="253916"/>
-          </a:xfrm>
-          <a:prstGeom prst="rect">
-            <a:avLst/>
-          </a:prstGeom>
-          <a:noFill/>
-        </p:spPr>
-        <p:txBody>
-          <a:bodyPr wrap="square" rtlCol="0">
-            <a:spAutoFit/>
-          </a:bodyPr>
-          <a:lstStyle/>
-          <a:p>
-            <a:r>
-              <a:rPr lang="ko-KR" altLang="en-US" sz="1050" dirty="0"/>
-              <a:t>생활관 </a:t>
-            </a:r>
-            <a:r>
-              <a:rPr lang="en-US" altLang="ko-KR" sz="1050" dirty="0"/>
-              <a:t>/ </a:t>
-            </a:r>
-            <a:r>
-              <a:rPr lang="ko-KR" altLang="en-US" sz="1050" dirty="0" err="1"/>
-              <a:t>한동페이</a:t>
-            </a:r>
-            <a:endParaRPr lang="ko-KR" altLang="en-US" sz="1050" dirty="0"/>
-          </a:p>
-        </p:txBody>
-      </p:sp>
+              </a:endParaRPr>
+            </a:p>
+          </p:txBody>
+        </p:sp>
+        <p:pic>
+          <p:nvPicPr>
+            <p:cNvPr id="1026" name="Picture 2">
+              <a:extLst>
+                <a:ext uri="{FF2B5EF4-FFF2-40B4-BE49-F238E27FC236}">
+                  <a16:creationId xmlns:a16="http://schemas.microsoft.com/office/drawing/2014/main" id="{43E597B2-4F78-4097-9CFE-043161B2B131}"/>
+                </a:ext>
+              </a:extLst>
+            </p:cNvPr>
+            <p:cNvPicPr>
+              <a:picLocks noChangeAspect="1" noChangeArrowheads="1"/>
+            </p:cNvPicPr>
+            <p:nvPr/>
+          </p:nvPicPr>
+          <p:blipFill>
+            <a:blip r:embed="rId7">
+              <a:extLst>
+                <a:ext uri="{28A0092B-C50C-407E-A947-70E740481C1C}">
+                  <a14:useLocalDpi xmlns:a14="http://schemas.microsoft.com/office/drawing/2010/main" val="0"/>
+                </a:ext>
+              </a:extLst>
+            </a:blip>
+            <a:srcRect/>
+            <a:stretch>
+              <a:fillRect/>
+            </a:stretch>
+          </p:blipFill>
+          <p:spPr bwMode="auto">
+            <a:xfrm>
+              <a:off x="5690421" y="1757297"/>
+              <a:ext cx="811157" cy="811157"/>
+            </a:xfrm>
+            <a:prstGeom prst="rect">
+              <a:avLst/>
+            </a:prstGeom>
+            <a:noFill/>
+            <a:extLst>
+              <a:ext uri="{909E8E84-426E-40DD-AFC4-6F175D3DCCD1}">
+                <a14:hiddenFill xmlns:a14="http://schemas.microsoft.com/office/drawing/2010/main">
+                  <a:solidFill>
+                    <a:srgbClr val="FFFFFF"/>
+                  </a:solidFill>
+                </a14:hiddenFill>
+              </a:ext>
+            </a:extLst>
+          </p:spPr>
+        </p:pic>
+        <p:sp>
+          <p:nvSpPr>
+            <p:cNvPr id="22" name="TextBox 21">
+              <a:extLst>
+                <a:ext uri="{FF2B5EF4-FFF2-40B4-BE49-F238E27FC236}">
+                  <a16:creationId xmlns:a16="http://schemas.microsoft.com/office/drawing/2014/main" id="{2481BEB0-9324-40F9-977D-ABD5AE55CAF0}"/>
+                </a:ext>
+              </a:extLst>
+            </p:cNvPr>
+            <p:cNvSpPr txBox="1"/>
+            <p:nvPr/>
+          </p:nvSpPr>
+          <p:spPr>
+            <a:xfrm>
+              <a:off x="5209427" y="2568454"/>
+              <a:ext cx="1773143" cy="430887"/>
+            </a:xfrm>
+            <a:prstGeom prst="rect">
+              <a:avLst/>
+            </a:prstGeom>
+            <a:noFill/>
+          </p:spPr>
+          <p:txBody>
+            <a:bodyPr wrap="square" rtlCol="0">
+              <a:spAutoFit/>
+            </a:bodyPr>
+            <a:lstStyle/>
+            <a:p>
+              <a:pPr algn="ctr"/>
+              <a:r>
+                <a:rPr lang="ko-KR" altLang="en-US" sz="1100" dirty="0"/>
+                <a:t>홍길동</a:t>
+              </a:r>
+              <a:endParaRPr lang="en-US" altLang="ko-KR" sz="1100" dirty="0"/>
+            </a:p>
+            <a:p>
+              <a:pPr algn="ctr"/>
+              <a:r>
+                <a:rPr lang="en-US" altLang="ko-KR" sz="1100" dirty="0"/>
+                <a:t>22100000</a:t>
+              </a:r>
+              <a:endParaRPr lang="ko-KR" altLang="en-US" sz="1100" dirty="0"/>
+            </a:p>
+          </p:txBody>
+        </p:sp>
+        <p:sp>
+          <p:nvSpPr>
+            <p:cNvPr id="23" name="TextBox 22">
+              <a:extLst>
+                <a:ext uri="{FF2B5EF4-FFF2-40B4-BE49-F238E27FC236}">
+                  <a16:creationId xmlns:a16="http://schemas.microsoft.com/office/drawing/2014/main" id="{0DACA0BF-B25E-4AA9-BEFD-68ACC3CF675C}"/>
+                </a:ext>
+              </a:extLst>
+            </p:cNvPr>
+            <p:cNvSpPr txBox="1"/>
+            <p:nvPr/>
+          </p:nvSpPr>
+          <p:spPr>
+            <a:xfrm>
+              <a:off x="5447304" y="1517001"/>
+              <a:ext cx="2336361" cy="253916"/>
+            </a:xfrm>
+            <a:prstGeom prst="rect">
+              <a:avLst/>
+            </a:prstGeom>
+            <a:noFill/>
+          </p:spPr>
+          <p:txBody>
+            <a:bodyPr wrap="square" rtlCol="0">
+              <a:spAutoFit/>
+            </a:bodyPr>
+            <a:lstStyle/>
+            <a:p>
+              <a:r>
+                <a:rPr lang="ko-KR" altLang="en-US" sz="1050" dirty="0"/>
+                <a:t>생활관 </a:t>
+              </a:r>
+              <a:r>
+                <a:rPr lang="en-US" altLang="ko-KR" sz="1050" dirty="0"/>
+                <a:t>/ </a:t>
+              </a:r>
+              <a:r>
+                <a:rPr lang="ko-KR" altLang="en-US" sz="1050" dirty="0" err="1"/>
+                <a:t>한동페이</a:t>
+              </a:r>
+              <a:endParaRPr lang="ko-KR" altLang="en-US" sz="1050" dirty="0"/>
+            </a:p>
+          </p:txBody>
+        </p:sp>
+      </p:grpSp>
     </p:spTree>
     <p:extLst>
       <p:ext uri="{BB962C8B-B14F-4D97-AF65-F5344CB8AC3E}">
